--- a/lecture/Lecture 3 Aug 30/3 Pandas.pptx
+++ b/lecture/Lecture 3 Aug 30/3 Pandas.pptx
@@ -4067,7 +4067,7 @@
           <a:p>
             <a:r>
               <a:rPr lang="en-US" dirty="0"/>
-              <a:t>But Lab 2 and HW2 will post by Monday, due Fri and following Tu.</a:t>
+              <a:t>But Lab 2 and HW2 will post by Monday, due Fri and following Tu, respectively.</a:t>
             </a:r>
           </a:p>
           <a:p>
